--- a/Tram_Tracker.pptx
+++ b/Tram_Tracker.pptx
@@ -267,7 +267,7 @@
           <a:p>
             <a:fld id="{9CDF77FD-9C66-48AE-AEA6-A276598F741B}" type="datetimeFigureOut">
               <a:rPr lang="en-US" smtClean="0"/>
-              <a:t>11/25/2021</a:t>
+              <a:t>11/26/2021</a:t>
             </a:fld>
             <a:endParaRPr lang="en-US"/>
           </a:p>
@@ -465,7 +465,7 @@
           <a:p>
             <a:fld id="{9CDF77FD-9C66-48AE-AEA6-A276598F741B}" type="datetimeFigureOut">
               <a:rPr lang="en-US" smtClean="0"/>
-              <a:t>11/25/2021</a:t>
+              <a:t>11/26/2021</a:t>
             </a:fld>
             <a:endParaRPr lang="en-US"/>
           </a:p>
@@ -673,7 +673,7 @@
           <a:p>
             <a:fld id="{9CDF77FD-9C66-48AE-AEA6-A276598F741B}" type="datetimeFigureOut">
               <a:rPr lang="en-US" smtClean="0"/>
-              <a:t>11/25/2021</a:t>
+              <a:t>11/26/2021</a:t>
             </a:fld>
             <a:endParaRPr lang="en-US"/>
           </a:p>
@@ -871,7 +871,7 @@
           <a:p>
             <a:fld id="{9CDF77FD-9C66-48AE-AEA6-A276598F741B}" type="datetimeFigureOut">
               <a:rPr lang="en-US" smtClean="0"/>
-              <a:t>11/25/2021</a:t>
+              <a:t>11/26/2021</a:t>
             </a:fld>
             <a:endParaRPr lang="en-US"/>
           </a:p>
@@ -1146,7 +1146,7 @@
           <a:p>
             <a:fld id="{9CDF77FD-9C66-48AE-AEA6-A276598F741B}" type="datetimeFigureOut">
               <a:rPr lang="en-US" smtClean="0"/>
-              <a:t>11/25/2021</a:t>
+              <a:t>11/26/2021</a:t>
             </a:fld>
             <a:endParaRPr lang="en-US"/>
           </a:p>
@@ -1411,7 +1411,7 @@
           <a:p>
             <a:fld id="{9CDF77FD-9C66-48AE-AEA6-A276598F741B}" type="datetimeFigureOut">
               <a:rPr lang="en-US" smtClean="0"/>
-              <a:t>11/25/2021</a:t>
+              <a:t>11/26/2021</a:t>
             </a:fld>
             <a:endParaRPr lang="en-US"/>
           </a:p>
@@ -1823,7 +1823,7 @@
           <a:p>
             <a:fld id="{9CDF77FD-9C66-48AE-AEA6-A276598F741B}" type="datetimeFigureOut">
               <a:rPr lang="en-US" smtClean="0"/>
-              <a:t>11/25/2021</a:t>
+              <a:t>11/26/2021</a:t>
             </a:fld>
             <a:endParaRPr lang="en-US"/>
           </a:p>
@@ -1964,7 +1964,7 @@
           <a:p>
             <a:fld id="{9CDF77FD-9C66-48AE-AEA6-A276598F741B}" type="datetimeFigureOut">
               <a:rPr lang="en-US" smtClean="0"/>
-              <a:t>11/25/2021</a:t>
+              <a:t>11/26/2021</a:t>
             </a:fld>
             <a:endParaRPr lang="en-US"/>
           </a:p>
@@ -2077,7 +2077,7 @@
           <a:p>
             <a:fld id="{9CDF77FD-9C66-48AE-AEA6-A276598F741B}" type="datetimeFigureOut">
               <a:rPr lang="en-US" smtClean="0"/>
-              <a:t>11/25/2021</a:t>
+              <a:t>11/26/2021</a:t>
             </a:fld>
             <a:endParaRPr lang="en-US"/>
           </a:p>
@@ -2388,7 +2388,7 @@
           <a:p>
             <a:fld id="{9CDF77FD-9C66-48AE-AEA6-A276598F741B}" type="datetimeFigureOut">
               <a:rPr lang="en-US" smtClean="0"/>
-              <a:t>11/25/2021</a:t>
+              <a:t>11/26/2021</a:t>
             </a:fld>
             <a:endParaRPr lang="en-US"/>
           </a:p>
@@ -2676,7 +2676,7 @@
           <a:p>
             <a:fld id="{9CDF77FD-9C66-48AE-AEA6-A276598F741B}" type="datetimeFigureOut">
               <a:rPr lang="en-US" smtClean="0"/>
-              <a:t>11/25/2021</a:t>
+              <a:t>11/26/2021</a:t>
             </a:fld>
             <a:endParaRPr lang="en-US"/>
           </a:p>
@@ -2920,7 +2920,7 @@
           <a:p>
             <a:fld id="{9CDF77FD-9C66-48AE-AEA6-A276598F741B}" type="datetimeFigureOut">
               <a:rPr lang="en-US" smtClean="0"/>
-              <a:t>11/25/2021</a:t>
+              <a:t>11/26/2021</a:t>
             </a:fld>
             <a:endParaRPr lang="en-US"/>
           </a:p>
@@ -3953,7 +3953,7 @@
         <p:spPr>
           <a:xfrm>
             <a:off x="1076325" y="1109891"/>
-            <a:ext cx="9049110" cy="5262979"/>
+            <a:ext cx="9049110" cy="4832092"/>
           </a:xfrm>
           <a:prstGeom prst="rect">
             <a:avLst/>
@@ -4174,7 +4174,7 @@
               <a:t>แท</a:t>
             </a:r>
             <a:r>
-              <a:rPr lang="th-TH" sz="2800" b="1" dirty="0">
+              <a:rPr lang="th-TH" sz="2800" b="1">
                 <a:solidFill>
                   <a:schemeClr val="bg1">
                     <a:lumMod val="95000"/>
@@ -4185,15 +4185,6 @@
               </a:rPr>
               <a:t>รม</a:t>
             </a:r>
-            <a:endParaRPr lang="en-US" sz="2800" b="1" dirty="0">
-              <a:solidFill>
-                <a:schemeClr val="bg1">
-                  <a:lumMod val="95000"/>
-                </a:schemeClr>
-              </a:solidFill>
-              <a:latin typeface="TH Sarabun New" panose="020B0500040200020003" pitchFamily="34" charset="-34"/>
-              <a:cs typeface="TH Sarabun New" panose="020B0500040200020003" pitchFamily="34" charset="-34"/>
-            </a:endParaRPr>
           </a:p>
           <a:p>
             <a:pPr marL="914400" lvl="1" indent="-457200">
@@ -4201,7 +4192,7 @@
               <a:buChar char="•"/>
             </a:pPr>
             <a:r>
-              <a:rPr lang="th-TH" sz="2800" b="1" dirty="0">
+              <a:rPr lang="th-TH" sz="2800" b="1">
                 <a:solidFill>
                   <a:schemeClr val="bg1">
                     <a:lumMod val="95000"/>
@@ -4210,10 +4201,10 @@
                 <a:latin typeface="TH Sarabun New" panose="020B0500040200020003" pitchFamily="34" charset="-34"/>
                 <a:cs typeface="TH Sarabun New" panose="020B0500040200020003" pitchFamily="34" charset="-34"/>
               </a:rPr>
-              <a:t>ทราบตำแหน่งของป้ายรถ</a:t>
-            </a:r>
-            <a:r>
-              <a:rPr lang="th-TH" sz="2800" b="1" dirty="0" err="1">
+              <a:t>ทราบ</a:t>
+            </a:r>
+            <a:r>
+              <a:rPr lang="th-TH" sz="2800" b="1" dirty="0">
                 <a:solidFill>
                   <a:schemeClr val="bg1">
                     <a:lumMod val="95000"/>
@@ -4222,37 +4213,7 @@
                 <a:latin typeface="TH Sarabun New" panose="020B0500040200020003" pitchFamily="34" charset="-34"/>
                 <a:cs typeface="TH Sarabun New" panose="020B0500040200020003" pitchFamily="34" charset="-34"/>
               </a:rPr>
-              <a:t>แท</a:t>
-            </a:r>
-            <a:r>
-              <a:rPr lang="th-TH" sz="2800" b="1" dirty="0">
-                <a:solidFill>
-                  <a:schemeClr val="bg1">
-                    <a:lumMod val="95000"/>
-                  </a:schemeClr>
-                </a:solidFill>
-                <a:latin typeface="TH Sarabun New" panose="020B0500040200020003" pitchFamily="34" charset="-34"/>
-                <a:cs typeface="TH Sarabun New" panose="020B0500040200020003" pitchFamily="34" charset="-34"/>
-              </a:rPr>
-              <a:t>รม</a:t>
-            </a:r>
-          </a:p>
-          <a:p>
-            <a:pPr marL="914400" lvl="1" indent="-457200">
-              <a:buFont typeface="Arial" panose="020B0604020202020204" pitchFamily="34" charset="0"/>
-              <a:buChar char="•"/>
-            </a:pPr>
-            <a:r>
-              <a:rPr lang="th-TH" sz="2800" b="1" dirty="0">
-                <a:solidFill>
-                  <a:schemeClr val="bg1">
-                    <a:lumMod val="95000"/>
-                  </a:schemeClr>
-                </a:solidFill>
-                <a:latin typeface="TH Sarabun New" panose="020B0500040200020003" pitchFamily="34" charset="-34"/>
-                <a:cs typeface="TH Sarabun New" panose="020B0500040200020003" pitchFamily="34" charset="-34"/>
-              </a:rPr>
-              <a:t>ทราบว่ารถ</a:t>
+              <a:t>ว่ารถ</a:t>
             </a:r>
             <a:r>
               <a:rPr lang="th-TH" sz="2800" b="1" dirty="0" err="1">
